--- a/figures/raw-figures.pptx
+++ b/figures/raw-figures.pptx
@@ -5,11 +5,12 @@
     <p:sldMasterId id="2147483648" r:id="rId1"/>
   </p:sldMasterIdLst>
   <p:notesMasterIdLst>
-    <p:notesMasterId r:id="rId4"/>
+    <p:notesMasterId r:id="rId5"/>
   </p:notesMasterIdLst>
   <p:sldIdLst>
     <p:sldId id="256" r:id="rId2"/>
     <p:sldId id="257" r:id="rId3"/>
+    <p:sldId id="259" r:id="rId4"/>
   </p:sldIdLst>
   <p:sldSz cx="12192000" cy="6858000"/>
   <p:notesSz cx="6858000" cy="9144000"/>
@@ -108,7 +109,360 @@
       </a:defRPr>
     </a:lvl9pPr>
   </p:defaultTextStyle>
+  <p:extLst>
+    <p:ext uri="{EFAFB233-063F-42B5-8137-9DF3F51BA10A}">
+      <p15:sldGuideLst xmlns:p15="http://schemas.microsoft.com/office/powerpoint/2012/main"/>
+    </p:ext>
+  </p:extLst>
 </p:presentation>
+</file>
+
+<file path=ppt/revisionInfo.xml><?xml version="1.0" encoding="utf-8"?>
+<p1510:revInfo xmlns:a="http://schemas.openxmlformats.org/drawingml/2006/main" xmlns:r="http://schemas.openxmlformats.org/officeDocument/2006/relationships" xmlns:p1510="http://schemas.microsoft.com/office/powerpoint/2015/10/main">
+  <p1510:revLst>
+    <p1510:client id="{3CE30FEF-62E6-3941-A477-9A0979165B15}" v="24" dt="2022-05-10T21:36:25.597"/>
+  </p1510:revLst>
+</p1510:revInfo>
+</file>
+
+<file path=ppt/changesInfos/changesInfo1.xml><?xml version="1.0" encoding="utf-8"?>
+<pc:chgInfo xmlns:a="http://schemas.openxmlformats.org/drawingml/2006/main" xmlns:r="http://schemas.openxmlformats.org/officeDocument/2006/relationships" xmlns:ac="http://schemas.microsoft.com/office/drawing/2013/main/command" xmlns:pc="http://schemas.microsoft.com/office/powerpoint/2013/main/command">
+  <pc:docChgLst>
+    <pc:chgData name="Jonathon Ackers" userId="755ec269-87a8-42df-a0f3-2285769b5cd9" providerId="ADAL" clId="{3CE30FEF-62E6-3941-A477-9A0979165B15}"/>
+    <pc:docChg chg="undo custSel addSld delSld modSld">
+      <pc:chgData name="Jonathon Ackers" userId="755ec269-87a8-42df-a0f3-2285769b5cd9" providerId="ADAL" clId="{3CE30FEF-62E6-3941-A477-9A0979165B15}" dt="2022-05-10T21:36:25.596" v="170" actId="164"/>
+      <pc:docMkLst>
+        <pc:docMk/>
+      </pc:docMkLst>
+      <pc:sldChg chg="addSp delSp modSp new del mod">
+        <pc:chgData name="Jonathon Ackers" userId="755ec269-87a8-42df-a0f3-2285769b5cd9" providerId="ADAL" clId="{3CE30FEF-62E6-3941-A477-9A0979165B15}" dt="2022-05-10T21:30:39.842" v="136" actId="2696"/>
+        <pc:sldMkLst>
+          <pc:docMk/>
+          <pc:sldMk cId="1310272034" sldId="258"/>
+        </pc:sldMkLst>
+        <pc:spChg chg="add del mod">
+          <ac:chgData name="Jonathon Ackers" userId="755ec269-87a8-42df-a0f3-2285769b5cd9" providerId="ADAL" clId="{3CE30FEF-62E6-3941-A477-9A0979165B15}" dt="2022-05-10T20:41:23.304" v="17" actId="478"/>
+          <ac:spMkLst>
+            <pc:docMk/>
+            <pc:sldMk cId="1310272034" sldId="258"/>
+            <ac:spMk id="4" creationId="{F4C7AAFA-95FC-344A-BAA8-5A3DB0D725E6}"/>
+          </ac:spMkLst>
+        </pc:spChg>
+        <pc:spChg chg="add mod">
+          <ac:chgData name="Jonathon Ackers" userId="755ec269-87a8-42df-a0f3-2285769b5cd9" providerId="ADAL" clId="{3CE30FEF-62E6-3941-A477-9A0979165B15}" dt="2022-05-10T21:14:27.111" v="106" actId="1076"/>
+          <ac:spMkLst>
+            <pc:docMk/>
+            <pc:sldMk cId="1310272034" sldId="258"/>
+            <ac:spMk id="7" creationId="{C4F1CC22-91A3-D144-AA49-67502F7DCD30}"/>
+          </ac:spMkLst>
+        </pc:spChg>
+        <pc:spChg chg="add mod">
+          <ac:chgData name="Jonathon Ackers" userId="755ec269-87a8-42df-a0f3-2285769b5cd9" providerId="ADAL" clId="{3CE30FEF-62E6-3941-A477-9A0979165B15}" dt="2022-05-10T21:14:27.111" v="106" actId="1076"/>
+          <ac:spMkLst>
+            <pc:docMk/>
+            <pc:sldMk cId="1310272034" sldId="258"/>
+            <ac:spMk id="16" creationId="{C8FB9C5C-8CAF-3B4F-B07F-0F42F0DF83D1}"/>
+          </ac:spMkLst>
+        </pc:spChg>
+        <pc:spChg chg="add mod">
+          <ac:chgData name="Jonathon Ackers" userId="755ec269-87a8-42df-a0f3-2285769b5cd9" providerId="ADAL" clId="{3CE30FEF-62E6-3941-A477-9A0979165B15}" dt="2022-05-10T21:14:27.111" v="106" actId="1076"/>
+          <ac:spMkLst>
+            <pc:docMk/>
+            <pc:sldMk cId="1310272034" sldId="258"/>
+            <ac:spMk id="17" creationId="{3DC471EB-5ADB-0148-BCC0-ADA2C68B899E}"/>
+          </ac:spMkLst>
+        </pc:spChg>
+        <pc:spChg chg="add mod">
+          <ac:chgData name="Jonathon Ackers" userId="755ec269-87a8-42df-a0f3-2285769b5cd9" providerId="ADAL" clId="{3CE30FEF-62E6-3941-A477-9A0979165B15}" dt="2022-05-10T21:14:27.111" v="106" actId="1076"/>
+          <ac:spMkLst>
+            <pc:docMk/>
+            <pc:sldMk cId="1310272034" sldId="258"/>
+            <ac:spMk id="18" creationId="{D94E56A1-BAAE-4B40-BC5C-8A5098D64960}"/>
+          </ac:spMkLst>
+        </pc:spChg>
+        <pc:spChg chg="add mod">
+          <ac:chgData name="Jonathon Ackers" userId="755ec269-87a8-42df-a0f3-2285769b5cd9" providerId="ADAL" clId="{3CE30FEF-62E6-3941-A477-9A0979165B15}" dt="2022-05-10T21:14:27.111" v="106" actId="1076"/>
+          <ac:spMkLst>
+            <pc:docMk/>
+            <pc:sldMk cId="1310272034" sldId="258"/>
+            <ac:spMk id="19" creationId="{4E1E4448-E31C-574D-8820-6D8ABB19DCAF}"/>
+          </ac:spMkLst>
+        </pc:spChg>
+        <pc:spChg chg="add mod">
+          <ac:chgData name="Jonathon Ackers" userId="755ec269-87a8-42df-a0f3-2285769b5cd9" providerId="ADAL" clId="{3CE30FEF-62E6-3941-A477-9A0979165B15}" dt="2022-05-10T21:14:31.171" v="107" actId="1076"/>
+          <ac:spMkLst>
+            <pc:docMk/>
+            <pc:sldMk cId="1310272034" sldId="258"/>
+            <ac:spMk id="22" creationId="{8EDF46AE-B332-E344-89B6-A1E836C7EDD8}"/>
+          </ac:spMkLst>
+        </pc:spChg>
+        <pc:spChg chg="add mod">
+          <ac:chgData name="Jonathon Ackers" userId="755ec269-87a8-42df-a0f3-2285769b5cd9" providerId="ADAL" clId="{3CE30FEF-62E6-3941-A477-9A0979165B15}" dt="2022-05-10T21:14:31.171" v="107" actId="1076"/>
+          <ac:spMkLst>
+            <pc:docMk/>
+            <pc:sldMk cId="1310272034" sldId="258"/>
+            <ac:spMk id="23" creationId="{A253A09D-79D1-4048-B25A-C0C976E3FF2C}"/>
+          </ac:spMkLst>
+        </pc:spChg>
+        <pc:spChg chg="add mod">
+          <ac:chgData name="Jonathon Ackers" userId="755ec269-87a8-42df-a0f3-2285769b5cd9" providerId="ADAL" clId="{3CE30FEF-62E6-3941-A477-9A0979165B15}" dt="2022-05-10T21:14:31.171" v="107" actId="1076"/>
+          <ac:spMkLst>
+            <pc:docMk/>
+            <pc:sldMk cId="1310272034" sldId="258"/>
+            <ac:spMk id="24" creationId="{B6992E0D-A35D-914A-A114-2A5030637164}"/>
+          </ac:spMkLst>
+        </pc:spChg>
+        <pc:spChg chg="add mod">
+          <ac:chgData name="Jonathon Ackers" userId="755ec269-87a8-42df-a0f3-2285769b5cd9" providerId="ADAL" clId="{3CE30FEF-62E6-3941-A477-9A0979165B15}" dt="2022-05-10T21:14:31.171" v="107" actId="1076"/>
+          <ac:spMkLst>
+            <pc:docMk/>
+            <pc:sldMk cId="1310272034" sldId="258"/>
+            <ac:spMk id="25" creationId="{6A1838E1-C312-9040-9C3E-713BA25A21A6}"/>
+          </ac:spMkLst>
+        </pc:spChg>
+        <pc:spChg chg="add mod">
+          <ac:chgData name="Jonathon Ackers" userId="755ec269-87a8-42df-a0f3-2285769b5cd9" providerId="ADAL" clId="{3CE30FEF-62E6-3941-A477-9A0979165B15}" dt="2022-05-10T21:15:11.335" v="115" actId="14100"/>
+          <ac:spMkLst>
+            <pc:docMk/>
+            <pc:sldMk cId="1310272034" sldId="258"/>
+            <ac:spMk id="26" creationId="{3DFC32B5-8E33-3F46-BE70-B9C4DDEF9AFA}"/>
+          </ac:spMkLst>
+        </pc:spChg>
+        <pc:spChg chg="add del mod">
+          <ac:chgData name="Jonathon Ackers" userId="755ec269-87a8-42df-a0f3-2285769b5cd9" providerId="ADAL" clId="{3CE30FEF-62E6-3941-A477-9A0979165B15}" dt="2022-05-10T21:15:27.332" v="120"/>
+          <ac:spMkLst>
+            <pc:docMk/>
+            <pc:sldMk cId="1310272034" sldId="258"/>
+            <ac:spMk id="30" creationId="{767E96ED-4912-CC41-B3C7-61132A59E283}"/>
+          </ac:spMkLst>
+        </pc:spChg>
+        <pc:spChg chg="add del mod">
+          <ac:chgData name="Jonathon Ackers" userId="755ec269-87a8-42df-a0f3-2285769b5cd9" providerId="ADAL" clId="{3CE30FEF-62E6-3941-A477-9A0979165B15}" dt="2022-05-10T21:15:27.332" v="120"/>
+          <ac:spMkLst>
+            <pc:docMk/>
+            <pc:sldMk cId="1310272034" sldId="258"/>
+            <ac:spMk id="31" creationId="{1D8BD1B9-5428-494D-8C11-3B6309EFFB83}"/>
+          </ac:spMkLst>
+        </pc:spChg>
+        <pc:spChg chg="add del mod">
+          <ac:chgData name="Jonathon Ackers" userId="755ec269-87a8-42df-a0f3-2285769b5cd9" providerId="ADAL" clId="{3CE30FEF-62E6-3941-A477-9A0979165B15}" dt="2022-05-10T21:15:27.332" v="120"/>
+          <ac:spMkLst>
+            <pc:docMk/>
+            <pc:sldMk cId="1310272034" sldId="258"/>
+            <ac:spMk id="32" creationId="{3E541AB5-C7CC-994B-ABC9-036EE57AD6A6}"/>
+          </ac:spMkLst>
+        </pc:spChg>
+        <pc:spChg chg="add del mod">
+          <ac:chgData name="Jonathon Ackers" userId="755ec269-87a8-42df-a0f3-2285769b5cd9" providerId="ADAL" clId="{3CE30FEF-62E6-3941-A477-9A0979165B15}" dt="2022-05-10T21:15:27.332" v="120"/>
+          <ac:spMkLst>
+            <pc:docMk/>
+            <pc:sldMk cId="1310272034" sldId="258"/>
+            <ac:spMk id="33" creationId="{0A4F6500-CD42-5A4B-BD5A-C46AD6D246F7}"/>
+          </ac:spMkLst>
+        </pc:spChg>
+        <pc:spChg chg="add del mod">
+          <ac:chgData name="Jonathon Ackers" userId="755ec269-87a8-42df-a0f3-2285769b5cd9" providerId="ADAL" clId="{3CE30FEF-62E6-3941-A477-9A0979165B15}" dt="2022-05-10T21:15:27.332" v="120"/>
+          <ac:spMkLst>
+            <pc:docMk/>
+            <pc:sldMk cId="1310272034" sldId="258"/>
+            <ac:spMk id="34" creationId="{1A01FF73-E13C-4D47-8FCF-4BD1811123ED}"/>
+          </ac:spMkLst>
+        </pc:spChg>
+        <pc:picChg chg="add del mod">
+          <ac:chgData name="Jonathon Ackers" userId="755ec269-87a8-42df-a0f3-2285769b5cd9" providerId="ADAL" clId="{3CE30FEF-62E6-3941-A477-9A0979165B15}" dt="2022-05-10T20:57:33.572" v="19" actId="478"/>
+          <ac:picMkLst>
+            <pc:docMk/>
+            <pc:sldMk cId="1310272034" sldId="258"/>
+            <ac:picMk id="3" creationId="{A4E3D3B7-07AD-0C44-B7D1-0309BF0EB2BA}"/>
+          </ac:picMkLst>
+        </pc:picChg>
+        <pc:picChg chg="add del mod">
+          <ac:chgData name="Jonathon Ackers" userId="755ec269-87a8-42df-a0f3-2285769b5cd9" providerId="ADAL" clId="{3CE30FEF-62E6-3941-A477-9A0979165B15}" dt="2022-05-10T21:00:01.296" v="32" actId="478"/>
+          <ac:picMkLst>
+            <pc:docMk/>
+            <pc:sldMk cId="1310272034" sldId="258"/>
+            <ac:picMk id="6" creationId="{CB21AFF8-0C4F-7F45-937E-4F0FD76273D8}"/>
+          </ac:picMkLst>
+        </pc:picChg>
+        <pc:picChg chg="add del mod">
+          <ac:chgData name="Jonathon Ackers" userId="755ec269-87a8-42df-a0f3-2285769b5cd9" providerId="ADAL" clId="{3CE30FEF-62E6-3941-A477-9A0979165B15}" dt="2022-05-10T21:00:00.466" v="31" actId="478"/>
+          <ac:picMkLst>
+            <pc:docMk/>
+            <pc:sldMk cId="1310272034" sldId="258"/>
+            <ac:picMk id="9" creationId="{90E5A506-E112-E94D-BA5E-177E307AD4A8}"/>
+          </ac:picMkLst>
+        </pc:picChg>
+        <pc:picChg chg="add del mod">
+          <ac:chgData name="Jonathon Ackers" userId="755ec269-87a8-42df-a0f3-2285769b5cd9" providerId="ADAL" clId="{3CE30FEF-62E6-3941-A477-9A0979165B15}" dt="2022-05-10T21:07:33.098" v="51" actId="478"/>
+          <ac:picMkLst>
+            <pc:docMk/>
+            <pc:sldMk cId="1310272034" sldId="258"/>
+            <ac:picMk id="11" creationId="{4D2314AC-3336-0349-8D76-D338845439F7}"/>
+          </ac:picMkLst>
+        </pc:picChg>
+        <pc:picChg chg="add del mod">
+          <ac:chgData name="Jonathon Ackers" userId="755ec269-87a8-42df-a0f3-2285769b5cd9" providerId="ADAL" clId="{3CE30FEF-62E6-3941-A477-9A0979165B15}" dt="2022-05-10T21:07:51.246" v="55" actId="478"/>
+          <ac:picMkLst>
+            <pc:docMk/>
+            <pc:sldMk cId="1310272034" sldId="258"/>
+            <ac:picMk id="13" creationId="{0B8E2A59-831C-0840-9976-5FEAC329E2FA}"/>
+          </ac:picMkLst>
+        </pc:picChg>
+        <pc:picChg chg="add del mod">
+          <ac:chgData name="Jonathon Ackers" userId="755ec269-87a8-42df-a0f3-2285769b5cd9" providerId="ADAL" clId="{3CE30FEF-62E6-3941-A477-9A0979165B15}" dt="2022-05-10T21:13:52.183" v="102" actId="478"/>
+          <ac:picMkLst>
+            <pc:docMk/>
+            <pc:sldMk cId="1310272034" sldId="258"/>
+            <ac:picMk id="15" creationId="{991160D0-59B9-2440-A474-3CF28D958835}"/>
+          </ac:picMkLst>
+        </pc:picChg>
+        <pc:picChg chg="add mod">
+          <ac:chgData name="Jonathon Ackers" userId="755ec269-87a8-42df-a0f3-2285769b5cd9" providerId="ADAL" clId="{3CE30FEF-62E6-3941-A477-9A0979165B15}" dt="2022-05-10T21:14:27.111" v="106" actId="1076"/>
+          <ac:picMkLst>
+            <pc:docMk/>
+            <pc:sldMk cId="1310272034" sldId="258"/>
+            <ac:picMk id="21" creationId="{8B3DC167-50E6-2948-BEC9-C2238D58AA7A}"/>
+          </ac:picMkLst>
+        </pc:picChg>
+        <pc:picChg chg="add del mod">
+          <ac:chgData name="Jonathon Ackers" userId="755ec269-87a8-42df-a0f3-2285769b5cd9" providerId="ADAL" clId="{3CE30FEF-62E6-3941-A477-9A0979165B15}" dt="2022-05-10T21:14:41.036" v="111" actId="478"/>
+          <ac:picMkLst>
+            <pc:docMk/>
+            <pc:sldMk cId="1310272034" sldId="258"/>
+            <ac:picMk id="27" creationId="{179757E6-9E09-414C-9B64-68671CE80B0A}"/>
+          </ac:picMkLst>
+        </pc:picChg>
+        <pc:picChg chg="add mod">
+          <ac:chgData name="Jonathon Ackers" userId="755ec269-87a8-42df-a0f3-2285769b5cd9" providerId="ADAL" clId="{3CE30FEF-62E6-3941-A477-9A0979165B15}" dt="2022-05-10T21:15:01.077" v="114" actId="1076"/>
+          <ac:picMkLst>
+            <pc:docMk/>
+            <pc:sldMk cId="1310272034" sldId="258"/>
+            <ac:picMk id="29" creationId="{937D05E3-4098-4B44-B1C4-A5FB6AA20A67}"/>
+          </ac:picMkLst>
+        </pc:picChg>
+        <pc:picChg chg="add del mod">
+          <ac:chgData name="Jonathon Ackers" userId="755ec269-87a8-42df-a0f3-2285769b5cd9" providerId="ADAL" clId="{3CE30FEF-62E6-3941-A477-9A0979165B15}" dt="2022-05-10T21:15:27.332" v="120"/>
+          <ac:picMkLst>
+            <pc:docMk/>
+            <pc:sldMk cId="1310272034" sldId="258"/>
+            <ac:picMk id="35" creationId="{A14FBAF9-27D9-3148-AD55-EC86FC092FD6}"/>
+          </ac:picMkLst>
+        </pc:picChg>
+      </pc:sldChg>
+      <pc:sldChg chg="addSp delSp modSp new mod">
+        <pc:chgData name="Jonathon Ackers" userId="755ec269-87a8-42df-a0f3-2285769b5cd9" providerId="ADAL" clId="{3CE30FEF-62E6-3941-A477-9A0979165B15}" dt="2022-05-10T21:36:25.596" v="170" actId="164"/>
+        <pc:sldMkLst>
+          <pc:docMk/>
+          <pc:sldMk cId="1783770030" sldId="259"/>
+        </pc:sldMkLst>
+        <pc:spChg chg="add del mod">
+          <ac:chgData name="Jonathon Ackers" userId="755ec269-87a8-42df-a0f3-2285769b5cd9" providerId="ADAL" clId="{3CE30FEF-62E6-3941-A477-9A0979165B15}" dt="2022-05-10T21:15:19.990" v="118" actId="478"/>
+          <ac:spMkLst>
+            <pc:docMk/>
+            <pc:sldMk cId="1783770030" sldId="259"/>
+            <ac:spMk id="4" creationId="{89076FFB-4E9D-E64F-B306-45A4530D8680}"/>
+          </ac:spMkLst>
+        </pc:spChg>
+        <pc:spChg chg="add mod">
+          <ac:chgData name="Jonathon Ackers" userId="755ec269-87a8-42df-a0f3-2285769b5cd9" providerId="ADAL" clId="{3CE30FEF-62E6-3941-A477-9A0979165B15}" dt="2022-05-10T21:17:20.937" v="135" actId="1076"/>
+          <ac:spMkLst>
+            <pc:docMk/>
+            <pc:sldMk cId="1783770030" sldId="259"/>
+            <ac:spMk id="5" creationId="{70A756E2-5029-5744-AD49-1BE27B26E0DA}"/>
+          </ac:spMkLst>
+        </pc:spChg>
+        <pc:spChg chg="add mod">
+          <ac:chgData name="Jonathon Ackers" userId="755ec269-87a8-42df-a0f3-2285769b5cd9" providerId="ADAL" clId="{3CE30FEF-62E6-3941-A477-9A0979165B15}" dt="2022-05-10T21:17:15.181" v="134" actId="1076"/>
+          <ac:spMkLst>
+            <pc:docMk/>
+            <pc:sldMk cId="1783770030" sldId="259"/>
+            <ac:spMk id="6" creationId="{E8DCE32C-9750-6146-A495-E00247AED899}"/>
+          </ac:spMkLst>
+        </pc:spChg>
+        <pc:spChg chg="add mod">
+          <ac:chgData name="Jonathon Ackers" userId="755ec269-87a8-42df-a0f3-2285769b5cd9" providerId="ADAL" clId="{3CE30FEF-62E6-3941-A477-9A0979165B15}" dt="2022-05-10T21:17:07.269" v="133" actId="1076"/>
+          <ac:spMkLst>
+            <pc:docMk/>
+            <pc:sldMk cId="1783770030" sldId="259"/>
+            <ac:spMk id="7" creationId="{B4EF73D5-B44D-924C-B26E-A4EE931BC828}"/>
+          </ac:spMkLst>
+        </pc:spChg>
+        <pc:spChg chg="add mod">
+          <ac:chgData name="Jonathon Ackers" userId="755ec269-87a8-42df-a0f3-2285769b5cd9" providerId="ADAL" clId="{3CE30FEF-62E6-3941-A477-9A0979165B15}" dt="2022-05-10T21:17:01.995" v="131" actId="14100"/>
+          <ac:spMkLst>
+            <pc:docMk/>
+            <pc:sldMk cId="1783770030" sldId="259"/>
+            <ac:spMk id="8" creationId="{8A038435-26CE-7A40-9D85-042FC04B8B6A}"/>
+          </ac:spMkLst>
+        </pc:spChg>
+        <pc:spChg chg="add mod">
+          <ac:chgData name="Jonathon Ackers" userId="755ec269-87a8-42df-a0f3-2285769b5cd9" providerId="ADAL" clId="{3CE30FEF-62E6-3941-A477-9A0979165B15}" dt="2022-05-10T21:16:50.644" v="129" actId="14100"/>
+          <ac:spMkLst>
+            <pc:docMk/>
+            <pc:sldMk cId="1783770030" sldId="259"/>
+            <ac:spMk id="9" creationId="{BEA42B67-D01F-D44C-847B-79EFAC8FA573}"/>
+          </ac:spMkLst>
+        </pc:spChg>
+        <pc:grpChg chg="add mod">
+          <ac:chgData name="Jonathon Ackers" userId="755ec269-87a8-42df-a0f3-2285769b5cd9" providerId="ADAL" clId="{3CE30FEF-62E6-3941-A477-9A0979165B15}" dt="2022-05-10T21:36:25.596" v="170" actId="164"/>
+          <ac:grpSpMkLst>
+            <pc:docMk/>
+            <pc:sldMk cId="1783770030" sldId="259"/>
+            <ac:grpSpMk id="18" creationId="{0ED3FED4-2600-0C47-B38C-9AE9A9256A8D}"/>
+          </ac:grpSpMkLst>
+        </pc:grpChg>
+        <pc:picChg chg="add mod">
+          <ac:chgData name="Jonathon Ackers" userId="755ec269-87a8-42df-a0f3-2285769b5cd9" providerId="ADAL" clId="{3CE30FEF-62E6-3941-A477-9A0979165B15}" dt="2022-05-10T21:36:25.596" v="170" actId="164"/>
+          <ac:picMkLst>
+            <pc:docMk/>
+            <pc:sldMk cId="1783770030" sldId="259"/>
+            <ac:picMk id="3" creationId="{E0E9F991-0FA3-5940-B181-1F638D005269}"/>
+          </ac:picMkLst>
+        </pc:picChg>
+        <pc:picChg chg="add del mod">
+          <ac:chgData name="Jonathon Ackers" userId="755ec269-87a8-42df-a0f3-2285769b5cd9" providerId="ADAL" clId="{3CE30FEF-62E6-3941-A477-9A0979165B15}" dt="2022-05-10T21:30:50.724" v="140" actId="478"/>
+          <ac:picMkLst>
+            <pc:docMk/>
+            <pc:sldMk cId="1783770030" sldId="259"/>
+            <ac:picMk id="10" creationId="{9BD66FC9-D283-E54A-9F53-6E889424FF86}"/>
+          </ac:picMkLst>
+        </pc:picChg>
+        <pc:picChg chg="add del mod">
+          <ac:chgData name="Jonathon Ackers" userId="755ec269-87a8-42df-a0f3-2285769b5cd9" providerId="ADAL" clId="{3CE30FEF-62E6-3941-A477-9A0979165B15}" dt="2022-05-10T21:32:02.177" v="142" actId="478"/>
+          <ac:picMkLst>
+            <pc:docMk/>
+            <pc:sldMk cId="1783770030" sldId="259"/>
+            <ac:picMk id="12" creationId="{8ED1EC6B-EE2C-524E-84AE-4DA6BA39729F}"/>
+          </ac:picMkLst>
+        </pc:picChg>
+        <pc:picChg chg="add mod">
+          <ac:chgData name="Jonathon Ackers" userId="755ec269-87a8-42df-a0f3-2285769b5cd9" providerId="ADAL" clId="{3CE30FEF-62E6-3941-A477-9A0979165B15}" dt="2022-05-10T21:33:15.648" v="146" actId="1076"/>
+          <ac:picMkLst>
+            <pc:docMk/>
+            <pc:sldMk cId="1783770030" sldId="259"/>
+            <ac:picMk id="14" creationId="{6CA982AB-5BC1-7B41-A4B2-8F3FE1E29324}"/>
+          </ac:picMkLst>
+        </pc:picChg>
+        <pc:picChg chg="add del mod">
+          <ac:chgData name="Jonathon Ackers" userId="755ec269-87a8-42df-a0f3-2285769b5cd9" providerId="ADAL" clId="{3CE30FEF-62E6-3941-A477-9A0979165B15}" dt="2022-05-10T21:34:27.299" v="156" actId="478"/>
+          <ac:picMkLst>
+            <pc:docMk/>
+            <pc:sldMk cId="1783770030" sldId="259"/>
+            <ac:picMk id="16" creationId="{F8AD2FFD-4CA8-1D48-9ADE-BA4A5EA6574B}"/>
+          </ac:picMkLst>
+        </pc:picChg>
+        <pc:picChg chg="add mod modCrop">
+          <ac:chgData name="Jonathon Ackers" userId="755ec269-87a8-42df-a0f3-2285769b5cd9" providerId="ADAL" clId="{3CE30FEF-62E6-3941-A477-9A0979165B15}" dt="2022-05-10T21:36:25.596" v="170" actId="164"/>
+          <ac:picMkLst>
+            <pc:docMk/>
+            <pc:sldMk cId="1783770030" sldId="259"/>
+            <ac:picMk id="17" creationId="{8B1D1EE4-ADE8-C34F-AA22-DABD00E7B635}"/>
+          </ac:picMkLst>
+        </pc:picChg>
+      </pc:sldChg>
+    </pc:docChg>
+  </pc:docChgLst>
+</pc:chgInfo>
 </file>
 
 <file path=ppt/notesMasters/notesMaster1.xml><?xml version="1.0" encoding="utf-8"?>
@@ -193,7 +547,7 @@
           <a:p>
             <a:fld id="{D789BA24-E922-4544-A685-AADE1E360FFD}" type="datetimeFigureOut">
               <a:rPr lang="en-US" smtClean="0"/>
-              <a:t>3/23/22</a:t>
+              <a:t>5/10/22</a:t>
             </a:fld>
             <a:endParaRPr lang="en-US"/>
           </a:p>
@@ -545,6 +899,90 @@
 </p:notes>
 </file>
 
+<file path=ppt/notesSlides/notesSlide2.xml><?xml version="1.0" encoding="utf-8"?>
+<p:notes xmlns:a="http://schemas.openxmlformats.org/drawingml/2006/main" xmlns:r="http://schemas.openxmlformats.org/officeDocument/2006/relationships" xmlns:p="http://schemas.openxmlformats.org/presentationml/2006/main">
+  <p:cSld>
+    <p:spTree>
+      <p:nvGrpSpPr>
+        <p:cNvPr id="1" name=""/>
+        <p:cNvGrpSpPr/>
+        <p:nvPr/>
+      </p:nvGrpSpPr>
+      <p:grpSpPr>
+        <a:xfrm>
+          <a:off x="0" y="0"/>
+          <a:ext cx="0" cy="0"/>
+          <a:chOff x="0" y="0"/>
+          <a:chExt cx="0" cy="0"/>
+        </a:xfrm>
+      </p:grpSpPr>
+      <p:sp>
+        <p:nvSpPr>
+          <p:cNvPr id="2" name="Slide Image Placeholder 1"/>
+          <p:cNvSpPr>
+            <a:spLocks noGrp="1" noRot="1" noChangeAspect="1"/>
+          </p:cNvSpPr>
+          <p:nvPr>
+            <p:ph type="sldImg"/>
+          </p:nvPr>
+        </p:nvSpPr>
+        <p:spPr/>
+      </p:sp>
+      <p:sp>
+        <p:nvSpPr>
+          <p:cNvPr id="3" name="Notes Placeholder 2"/>
+          <p:cNvSpPr>
+            <a:spLocks noGrp="1"/>
+          </p:cNvSpPr>
+          <p:nvPr>
+            <p:ph type="body" idx="1"/>
+          </p:nvPr>
+        </p:nvSpPr>
+        <p:spPr/>
+        <p:txBody>
+          <a:bodyPr/>
+          <a:lstStyle/>
+          <a:p>
+            <a:endParaRPr lang="en-US" dirty="0"/>
+          </a:p>
+        </p:txBody>
+      </p:sp>
+      <p:sp>
+        <p:nvSpPr>
+          <p:cNvPr id="4" name="Slide Number Placeholder 3"/>
+          <p:cNvSpPr>
+            <a:spLocks noGrp="1"/>
+          </p:cNvSpPr>
+          <p:nvPr>
+            <p:ph type="sldNum" sz="quarter" idx="5"/>
+          </p:nvPr>
+        </p:nvSpPr>
+        <p:spPr/>
+        <p:txBody>
+          <a:bodyPr/>
+          <a:lstStyle/>
+          <a:p>
+            <a:fld id="{B5CF7041-DD05-EC4F-8B80-1B00023B2693}" type="slidenum">
+              <a:rPr lang="en-US" smtClean="0"/>
+              <a:t>3</a:t>
+            </a:fld>
+            <a:endParaRPr lang="en-US"/>
+          </a:p>
+        </p:txBody>
+      </p:sp>
+    </p:spTree>
+    <p:extLst>
+      <p:ext uri="{BB962C8B-B14F-4D97-AF65-F5344CB8AC3E}">
+        <p14:creationId xmlns:p14="http://schemas.microsoft.com/office/powerpoint/2010/main" val="3470425094"/>
+      </p:ext>
+    </p:extLst>
+  </p:cSld>
+  <p:clrMapOvr>
+    <a:masterClrMapping/>
+  </p:clrMapOvr>
+</p:notes>
+</file>
+
 <file path=ppt/slideLayouts/slideLayout1.xml><?xml version="1.0" encoding="utf-8"?>
 <p:sldLayout xmlns:a="http://schemas.openxmlformats.org/drawingml/2006/main" xmlns:r="http://schemas.openxmlformats.org/officeDocument/2006/relationships" xmlns:p="http://schemas.openxmlformats.org/presentationml/2006/main" type="title" preserve="1">
   <p:cSld name="Title Slide">
@@ -694,7 +1132,7 @@
           <a:p>
             <a:fld id="{19D40CAD-84D5-0747-A934-9F29A7A03AFF}" type="datetimeFigureOut">
               <a:rPr lang="en-US" smtClean="0"/>
-              <a:t>3/23/22</a:t>
+              <a:t>5/10/22</a:t>
             </a:fld>
             <a:endParaRPr lang="en-US"/>
           </a:p>
@@ -894,7 +1332,7 @@
           <a:p>
             <a:fld id="{19D40CAD-84D5-0747-A934-9F29A7A03AFF}" type="datetimeFigureOut">
               <a:rPr lang="en-US" smtClean="0"/>
-              <a:t>3/23/22</a:t>
+              <a:t>5/10/22</a:t>
             </a:fld>
             <a:endParaRPr lang="en-US"/>
           </a:p>
@@ -1104,7 +1542,7 @@
           <a:p>
             <a:fld id="{19D40CAD-84D5-0747-A934-9F29A7A03AFF}" type="datetimeFigureOut">
               <a:rPr lang="en-US" smtClean="0"/>
-              <a:t>3/23/22</a:t>
+              <a:t>5/10/22</a:t>
             </a:fld>
             <a:endParaRPr lang="en-US"/>
           </a:p>
@@ -1304,7 +1742,7 @@
           <a:p>
             <a:fld id="{19D40CAD-84D5-0747-A934-9F29A7A03AFF}" type="datetimeFigureOut">
               <a:rPr lang="en-US" smtClean="0"/>
-              <a:t>3/23/22</a:t>
+              <a:t>5/10/22</a:t>
             </a:fld>
             <a:endParaRPr lang="en-US"/>
           </a:p>
@@ -1580,7 +2018,7 @@
           <a:p>
             <a:fld id="{19D40CAD-84D5-0747-A934-9F29A7A03AFF}" type="datetimeFigureOut">
               <a:rPr lang="en-US" smtClean="0"/>
-              <a:t>3/23/22</a:t>
+              <a:t>5/10/22</a:t>
             </a:fld>
             <a:endParaRPr lang="en-US"/>
           </a:p>
@@ -1848,7 +2286,7 @@
           <a:p>
             <a:fld id="{19D40CAD-84D5-0747-A934-9F29A7A03AFF}" type="datetimeFigureOut">
               <a:rPr lang="en-US" smtClean="0"/>
-              <a:t>3/23/22</a:t>
+              <a:t>5/10/22</a:t>
             </a:fld>
             <a:endParaRPr lang="en-US"/>
           </a:p>
@@ -2263,7 +2701,7 @@
           <a:p>
             <a:fld id="{19D40CAD-84D5-0747-A934-9F29A7A03AFF}" type="datetimeFigureOut">
               <a:rPr lang="en-US" smtClean="0"/>
-              <a:t>3/23/22</a:t>
+              <a:t>5/10/22</a:t>
             </a:fld>
             <a:endParaRPr lang="en-US"/>
           </a:p>
@@ -2405,7 +2843,7 @@
           <a:p>
             <a:fld id="{19D40CAD-84D5-0747-A934-9F29A7A03AFF}" type="datetimeFigureOut">
               <a:rPr lang="en-US" smtClean="0"/>
-              <a:t>3/23/22</a:t>
+              <a:t>5/10/22</a:t>
             </a:fld>
             <a:endParaRPr lang="en-US"/>
           </a:p>
@@ -2518,7 +2956,7 @@
           <a:p>
             <a:fld id="{19D40CAD-84D5-0747-A934-9F29A7A03AFF}" type="datetimeFigureOut">
               <a:rPr lang="en-US" smtClean="0"/>
-              <a:t>3/23/22</a:t>
+              <a:t>5/10/22</a:t>
             </a:fld>
             <a:endParaRPr lang="en-US"/>
           </a:p>
@@ -2831,7 +3269,7 @@
           <a:p>
             <a:fld id="{19D40CAD-84D5-0747-A934-9F29A7A03AFF}" type="datetimeFigureOut">
               <a:rPr lang="en-US" smtClean="0"/>
-              <a:t>3/23/22</a:t>
+              <a:t>5/10/22</a:t>
             </a:fld>
             <a:endParaRPr lang="en-US"/>
           </a:p>
@@ -3120,7 +3558,7 @@
           <a:p>
             <a:fld id="{19D40CAD-84D5-0747-A934-9F29A7A03AFF}" type="datetimeFigureOut">
               <a:rPr lang="en-US" smtClean="0"/>
-              <a:t>3/23/22</a:t>
+              <a:t>5/10/22</a:t>
             </a:fld>
             <a:endParaRPr lang="en-US"/>
           </a:p>
@@ -3368,7 +3806,7 @@
           <a:p>
             <a:fld id="{19D40CAD-84D5-0747-A934-9F29A7A03AFF}" type="datetimeFigureOut">
               <a:rPr lang="en-US" smtClean="0"/>
-              <a:t>3/23/22</a:t>
+              <a:t>5/10/22</a:t>
             </a:fld>
             <a:endParaRPr lang="en-US"/>
           </a:p>
@@ -4838,8 +5276,8 @@
           <a:chExt cx="0" cy="0"/>
         </a:xfrm>
       </p:grpSpPr>
-      <mc:AlternateContent xmlns:mc="http://schemas.openxmlformats.org/markup-compatibility/2006">
-        <mc:Choice xmlns:a14="http://schemas.microsoft.com/office/drawing/2010/main" Requires="a14">
+      <mc:AlternateContent xmlns:mc="http://schemas.openxmlformats.org/markup-compatibility/2006" xmlns:a14="http://schemas.microsoft.com/office/drawing/2010/main">
+        <mc:Choice Requires="a14">
           <p:sp>
             <p:nvSpPr>
               <p:cNvPr id="3" name="Rounded Rectangle 2">
@@ -4997,7 +5435,7 @@
             </p:txBody>
           </p:sp>
         </mc:Choice>
-        <mc:Fallback>
+        <mc:Fallback xmlns="">
           <p:sp>
             <p:nvSpPr>
               <p:cNvPr id="3" name="Rounded Rectangle 2">
@@ -5052,8 +5490,8 @@
           </p:sp>
         </mc:Fallback>
       </mc:AlternateContent>
-      <mc:AlternateContent xmlns:mc="http://schemas.openxmlformats.org/markup-compatibility/2006">
-        <mc:Choice xmlns:a14="http://schemas.microsoft.com/office/drawing/2010/main" Requires="a14">
+      <mc:AlternateContent xmlns:mc="http://schemas.openxmlformats.org/markup-compatibility/2006" xmlns:a14="http://schemas.microsoft.com/office/drawing/2010/main">
+        <mc:Choice Requires="a14">
           <p:sp>
             <p:nvSpPr>
               <p:cNvPr id="24" name="Rounded Rectangle 23">
@@ -5202,7 +5640,7 @@
             </p:txBody>
           </p:sp>
         </mc:Choice>
-        <mc:Fallback>
+        <mc:Fallback xmlns="">
           <p:sp>
             <p:nvSpPr>
               <p:cNvPr id="24" name="Rounded Rectangle 23">
@@ -5257,8 +5695,8 @@
           </p:sp>
         </mc:Fallback>
       </mc:AlternateContent>
-      <mc:AlternateContent xmlns:mc="http://schemas.openxmlformats.org/markup-compatibility/2006">
-        <mc:Choice xmlns:a14="http://schemas.microsoft.com/office/drawing/2010/main" Requires="a14">
+      <mc:AlternateContent xmlns:mc="http://schemas.openxmlformats.org/markup-compatibility/2006" xmlns:a14="http://schemas.microsoft.com/office/drawing/2010/main">
+        <mc:Choice Requires="a14">
           <p:sp>
             <p:nvSpPr>
               <p:cNvPr id="25" name="Rounded Rectangle 24">
@@ -5473,7 +5911,7 @@
             </p:txBody>
           </p:sp>
         </mc:Choice>
-        <mc:Fallback>
+        <mc:Fallback xmlns="">
           <p:sp>
             <p:nvSpPr>
               <p:cNvPr id="25" name="Rounded Rectangle 24">
@@ -5528,8 +5966,8 @@
           </p:sp>
         </mc:Fallback>
       </mc:AlternateContent>
-      <mc:AlternateContent xmlns:mc="http://schemas.openxmlformats.org/markup-compatibility/2006">
-        <mc:Choice xmlns:a14="http://schemas.microsoft.com/office/drawing/2010/main" Requires="a14">
+      <mc:AlternateContent xmlns:mc="http://schemas.openxmlformats.org/markup-compatibility/2006" xmlns:a14="http://schemas.microsoft.com/office/drawing/2010/main">
+        <mc:Choice Requires="a14">
           <p:sp>
             <p:nvSpPr>
               <p:cNvPr id="26" name="Rounded Rectangle 25">
@@ -5705,7 +6143,7 @@
             </p:txBody>
           </p:sp>
         </mc:Choice>
-        <mc:Fallback>
+        <mc:Fallback xmlns="">
           <p:sp>
             <p:nvSpPr>
               <p:cNvPr id="26" name="Rounded Rectangle 25">
@@ -6063,8 +6501,8 @@
           </a:p>
         </p:txBody>
       </p:sp>
-      <mc:AlternateContent xmlns:mc="http://schemas.openxmlformats.org/markup-compatibility/2006">
-        <mc:Choice xmlns:a14="http://schemas.microsoft.com/office/drawing/2010/main" Requires="a14">
+      <mc:AlternateContent xmlns:mc="http://schemas.openxmlformats.org/markup-compatibility/2006" xmlns:a14="http://schemas.microsoft.com/office/drawing/2010/main">
+        <mc:Choice Requires="a14">
           <p:sp>
             <p:nvSpPr>
               <p:cNvPr id="50" name="TextBox 49">
@@ -6093,6 +6531,7 @@
               </a:bodyPr>
               <a:lstStyle/>
               <a:p>
+                <a:pPr/>
                 <a14:m>
                   <m:oMathPara xmlns:m="http://schemas.openxmlformats.org/officeDocument/2006/math">
                     <m:oMathParaPr>
@@ -6115,7 +6554,7 @@
             </p:txBody>
           </p:sp>
         </mc:Choice>
-        <mc:Fallback>
+        <mc:Fallback xmlns="">
           <p:sp>
             <p:nvSpPr>
               <p:cNvPr id="50" name="TextBox 49">
@@ -6164,6 +6603,416 @@
     <p:extLst>
       <p:ext uri="{BB962C8B-B14F-4D97-AF65-F5344CB8AC3E}">
         <p14:creationId xmlns:p14="http://schemas.microsoft.com/office/powerpoint/2010/main" val="1241790141"/>
+      </p:ext>
+    </p:extLst>
+  </p:cSld>
+  <p:clrMapOvr>
+    <a:masterClrMapping/>
+  </p:clrMapOvr>
+</p:sld>
+</file>
+
+<file path=ppt/slides/slide3.xml><?xml version="1.0" encoding="utf-8"?>
+<p:sld xmlns:a="http://schemas.openxmlformats.org/drawingml/2006/main" xmlns:r="http://schemas.openxmlformats.org/officeDocument/2006/relationships" xmlns:p="http://schemas.openxmlformats.org/presentationml/2006/main">
+  <p:cSld>
+    <p:spTree>
+      <p:nvGrpSpPr>
+        <p:cNvPr id="1" name=""/>
+        <p:cNvGrpSpPr/>
+        <p:nvPr/>
+      </p:nvGrpSpPr>
+      <p:grpSpPr>
+        <a:xfrm>
+          <a:off x="0" y="0"/>
+          <a:ext cx="0" cy="0"/>
+          <a:chOff x="0" y="0"/>
+          <a:chExt cx="0" cy="0"/>
+        </a:xfrm>
+      </p:grpSpPr>
+      <p:sp>
+        <p:nvSpPr>
+          <p:cNvPr id="5" name="Rectangle 4">
+            <a:extLst>
+              <a:ext uri="{FF2B5EF4-FFF2-40B4-BE49-F238E27FC236}">
+                <a16:creationId xmlns:a16="http://schemas.microsoft.com/office/drawing/2014/main" id="{70A756E2-5029-5744-AD49-1BE27B26E0DA}"/>
+              </a:ext>
+            </a:extLst>
+          </p:cNvPr>
+          <p:cNvSpPr/>
+          <p:nvPr/>
+        </p:nvSpPr>
+        <p:spPr>
+          <a:xfrm>
+            <a:off x="667432" y="6614809"/>
+            <a:ext cx="4801483" cy="243190"/>
+          </a:xfrm>
+          <a:prstGeom prst="rect">
+            <a:avLst/>
+          </a:prstGeom>
+          <a:solidFill>
+            <a:srgbClr val="FFD9A2"/>
+          </a:solidFill>
+          <a:ln>
+            <a:solidFill>
+              <a:srgbClr val="FFD9A2"/>
+            </a:solidFill>
+          </a:ln>
+        </p:spPr>
+        <p:style>
+          <a:lnRef idx="2">
+            <a:schemeClr val="accent1">
+              <a:shade val="50000"/>
+            </a:schemeClr>
+          </a:lnRef>
+          <a:fillRef idx="1">
+            <a:schemeClr val="accent1"/>
+          </a:fillRef>
+          <a:effectRef idx="0">
+            <a:schemeClr val="accent1"/>
+          </a:effectRef>
+          <a:fontRef idx="minor">
+            <a:schemeClr val="lt1"/>
+          </a:fontRef>
+        </p:style>
+        <p:txBody>
+          <a:bodyPr rtlCol="0" anchor="ctr"/>
+          <a:lstStyle/>
+          <a:p>
+            <a:pPr algn="ctr"/>
+            <a:endParaRPr lang="en-US"/>
+          </a:p>
+        </p:txBody>
+      </p:sp>
+      <p:sp>
+        <p:nvSpPr>
+          <p:cNvPr id="6" name="Rectangle 5">
+            <a:extLst>
+              <a:ext uri="{FF2B5EF4-FFF2-40B4-BE49-F238E27FC236}">
+                <a16:creationId xmlns:a16="http://schemas.microsoft.com/office/drawing/2014/main" id="{E8DCE32C-9750-6146-A495-E00247AED899}"/>
+              </a:ext>
+            </a:extLst>
+          </p:cNvPr>
+          <p:cNvSpPr/>
+          <p:nvPr/>
+        </p:nvSpPr>
+        <p:spPr>
+          <a:xfrm>
+            <a:off x="667433" y="4105072"/>
+            <a:ext cx="4801483" cy="2503252"/>
+          </a:xfrm>
+          <a:prstGeom prst="rect">
+            <a:avLst/>
+          </a:prstGeom>
+          <a:solidFill>
+            <a:srgbClr val="BDEBA7"/>
+          </a:solidFill>
+          <a:ln>
+            <a:solidFill>
+              <a:srgbClr val="BDEBA7"/>
+            </a:solidFill>
+          </a:ln>
+        </p:spPr>
+        <p:style>
+          <a:lnRef idx="2">
+            <a:schemeClr val="accent1">
+              <a:shade val="50000"/>
+            </a:schemeClr>
+          </a:lnRef>
+          <a:fillRef idx="1">
+            <a:schemeClr val="accent1"/>
+          </a:fillRef>
+          <a:effectRef idx="0">
+            <a:schemeClr val="accent1"/>
+          </a:effectRef>
+          <a:fontRef idx="minor">
+            <a:schemeClr val="lt1"/>
+          </a:fontRef>
+        </p:style>
+        <p:txBody>
+          <a:bodyPr rtlCol="0" anchor="ctr"/>
+          <a:lstStyle/>
+          <a:p>
+            <a:pPr algn="ctr"/>
+            <a:endParaRPr lang="en-US"/>
+          </a:p>
+        </p:txBody>
+      </p:sp>
+      <p:sp>
+        <p:nvSpPr>
+          <p:cNvPr id="7" name="Rectangle 6">
+            <a:extLst>
+              <a:ext uri="{FF2B5EF4-FFF2-40B4-BE49-F238E27FC236}">
+                <a16:creationId xmlns:a16="http://schemas.microsoft.com/office/drawing/2014/main" id="{B4EF73D5-B44D-924C-B26E-A4EE931BC828}"/>
+              </a:ext>
+            </a:extLst>
+          </p:cNvPr>
+          <p:cNvSpPr/>
+          <p:nvPr/>
+        </p:nvSpPr>
+        <p:spPr>
+          <a:xfrm>
+            <a:off x="667433" y="1335932"/>
+            <a:ext cx="4801483" cy="2769140"/>
+          </a:xfrm>
+          <a:prstGeom prst="rect">
+            <a:avLst/>
+          </a:prstGeom>
+          <a:solidFill>
+            <a:srgbClr val="FFD2E0"/>
+          </a:solidFill>
+          <a:ln>
+            <a:solidFill>
+              <a:srgbClr val="FFD2E0"/>
+            </a:solidFill>
+          </a:ln>
+        </p:spPr>
+        <p:style>
+          <a:lnRef idx="2">
+            <a:schemeClr val="accent1">
+              <a:shade val="50000"/>
+            </a:schemeClr>
+          </a:lnRef>
+          <a:fillRef idx="1">
+            <a:schemeClr val="accent1"/>
+          </a:fillRef>
+          <a:effectRef idx="0">
+            <a:schemeClr val="accent1"/>
+          </a:effectRef>
+          <a:fontRef idx="minor">
+            <a:schemeClr val="lt1"/>
+          </a:fontRef>
+        </p:style>
+        <p:txBody>
+          <a:bodyPr rtlCol="0" anchor="ctr"/>
+          <a:lstStyle/>
+          <a:p>
+            <a:pPr algn="ctr"/>
+            <a:endParaRPr lang="en-US"/>
+          </a:p>
+        </p:txBody>
+      </p:sp>
+      <p:sp>
+        <p:nvSpPr>
+          <p:cNvPr id="8" name="Rectangle 7">
+            <a:extLst>
+              <a:ext uri="{FF2B5EF4-FFF2-40B4-BE49-F238E27FC236}">
+                <a16:creationId xmlns:a16="http://schemas.microsoft.com/office/drawing/2014/main" id="{8A038435-26CE-7A40-9D85-042FC04B8B6A}"/>
+              </a:ext>
+            </a:extLst>
+          </p:cNvPr>
+          <p:cNvSpPr/>
+          <p:nvPr/>
+        </p:nvSpPr>
+        <p:spPr>
+          <a:xfrm>
+            <a:off x="667433" y="142672"/>
+            <a:ext cx="4801483" cy="1193260"/>
+          </a:xfrm>
+          <a:prstGeom prst="rect">
+            <a:avLst/>
+          </a:prstGeom>
+          <a:solidFill>
+            <a:srgbClr val="B8E6FB"/>
+          </a:solidFill>
+          <a:ln>
+            <a:solidFill>
+              <a:srgbClr val="B8E6FB"/>
+            </a:solidFill>
+          </a:ln>
+        </p:spPr>
+        <p:style>
+          <a:lnRef idx="2">
+            <a:schemeClr val="accent1">
+              <a:shade val="50000"/>
+            </a:schemeClr>
+          </a:lnRef>
+          <a:fillRef idx="1">
+            <a:schemeClr val="accent1"/>
+          </a:fillRef>
+          <a:effectRef idx="0">
+            <a:schemeClr val="accent1"/>
+          </a:effectRef>
+          <a:fontRef idx="minor">
+            <a:schemeClr val="lt1"/>
+          </a:fontRef>
+        </p:style>
+        <p:txBody>
+          <a:bodyPr rtlCol="0" anchor="ctr"/>
+          <a:lstStyle/>
+          <a:p>
+            <a:pPr algn="ctr"/>
+            <a:endParaRPr lang="en-US"/>
+          </a:p>
+        </p:txBody>
+      </p:sp>
+      <p:sp>
+        <p:nvSpPr>
+          <p:cNvPr id="9" name="Rectangle 8">
+            <a:extLst>
+              <a:ext uri="{FF2B5EF4-FFF2-40B4-BE49-F238E27FC236}">
+                <a16:creationId xmlns:a16="http://schemas.microsoft.com/office/drawing/2014/main" id="{BEA42B67-D01F-D44C-847B-79EFAC8FA573}"/>
+              </a:ext>
+            </a:extLst>
+          </p:cNvPr>
+          <p:cNvSpPr/>
+          <p:nvPr/>
+        </p:nvSpPr>
+        <p:spPr>
+          <a:xfrm>
+            <a:off x="667433" y="0"/>
+            <a:ext cx="4801483" cy="142672"/>
+          </a:xfrm>
+          <a:prstGeom prst="rect">
+            <a:avLst/>
+          </a:prstGeom>
+          <a:solidFill>
+            <a:srgbClr val="FFEDA1"/>
+          </a:solidFill>
+          <a:ln>
+            <a:solidFill>
+              <a:srgbClr val="FFEDA1"/>
+            </a:solidFill>
+          </a:ln>
+        </p:spPr>
+        <p:style>
+          <a:lnRef idx="2">
+            <a:schemeClr val="accent1">
+              <a:shade val="50000"/>
+            </a:schemeClr>
+          </a:lnRef>
+          <a:fillRef idx="1">
+            <a:schemeClr val="accent1"/>
+          </a:fillRef>
+          <a:effectRef idx="0">
+            <a:schemeClr val="accent1"/>
+          </a:effectRef>
+          <a:fontRef idx="minor">
+            <a:schemeClr val="lt1"/>
+          </a:fontRef>
+        </p:style>
+        <p:txBody>
+          <a:bodyPr rtlCol="0" anchor="ctr"/>
+          <a:lstStyle/>
+          <a:p>
+            <a:pPr algn="ctr"/>
+            <a:endParaRPr lang="en-US"/>
+          </a:p>
+        </p:txBody>
+      </p:sp>
+      <p:pic>
+        <p:nvPicPr>
+          <p:cNvPr id="14" name="Picture 13" descr="Shape&#10;&#10;Description automatically generated with low confidence">
+            <a:extLst>
+              <a:ext uri="{FF2B5EF4-FFF2-40B4-BE49-F238E27FC236}">
+                <a16:creationId xmlns:a16="http://schemas.microsoft.com/office/drawing/2014/main" id="{6CA982AB-5BC1-7B41-A4B2-8F3FE1E29324}"/>
+              </a:ext>
+            </a:extLst>
+          </p:cNvPr>
+          <p:cNvPicPr>
+            <a:picLocks noChangeAspect="1"/>
+          </p:cNvPicPr>
+          <p:nvPr/>
+        </p:nvPicPr>
+        <p:blipFill>
+          <a:blip r:embed="rId3"/>
+          <a:stretch>
+            <a:fillRect/>
+          </a:stretch>
+        </p:blipFill>
+        <p:spPr>
+          <a:xfrm>
+            <a:off x="667432" y="-1"/>
+            <a:ext cx="4795311" cy="6858000"/>
+          </a:xfrm>
+          <a:prstGeom prst="rect">
+            <a:avLst/>
+          </a:prstGeom>
+        </p:spPr>
+      </p:pic>
+      <p:grpSp>
+        <p:nvGrpSpPr>
+          <p:cNvPr id="18" name="Group 17">
+            <a:extLst>
+              <a:ext uri="{FF2B5EF4-FFF2-40B4-BE49-F238E27FC236}">
+                <a16:creationId xmlns:a16="http://schemas.microsoft.com/office/drawing/2014/main" id="{0ED3FED4-2600-0C47-B38C-9AE9A9256A8D}"/>
+              </a:ext>
+            </a:extLst>
+          </p:cNvPr>
+          <p:cNvGrpSpPr/>
+          <p:nvPr/>
+        </p:nvGrpSpPr>
+        <p:grpSpPr>
+          <a:xfrm>
+            <a:off x="6666540" y="0"/>
+            <a:ext cx="4639235" cy="6858000"/>
+            <a:chOff x="6666540" y="0"/>
+            <a:chExt cx="4639235" cy="6858000"/>
+          </a:xfrm>
+        </p:grpSpPr>
+        <p:pic>
+          <p:nvPicPr>
+            <p:cNvPr id="3" name="Picture 2" descr="Table&#10;&#10;Description automatically generated with medium confidence">
+              <a:extLst>
+                <a:ext uri="{FF2B5EF4-FFF2-40B4-BE49-F238E27FC236}">
+                  <a16:creationId xmlns:a16="http://schemas.microsoft.com/office/drawing/2014/main" id="{E0E9F991-0FA3-5940-B181-1F638D005269}"/>
+                </a:ext>
+              </a:extLst>
+            </p:cNvPr>
+            <p:cNvPicPr>
+              <a:picLocks noChangeAspect="1"/>
+            </p:cNvPicPr>
+            <p:nvPr/>
+          </p:nvPicPr>
+          <p:blipFill>
+            <a:blip r:embed="rId4"/>
+            <a:stretch>
+              <a:fillRect/>
+            </a:stretch>
+          </p:blipFill>
+          <p:spPr>
+            <a:xfrm>
+              <a:off x="6666540" y="0"/>
+              <a:ext cx="4639235" cy="6858000"/>
+            </a:xfrm>
+            <a:prstGeom prst="rect">
+              <a:avLst/>
+            </a:prstGeom>
+          </p:spPr>
+        </p:pic>
+        <p:pic>
+          <p:nvPicPr>
+            <p:cNvPr id="17" name="Picture 16" descr="Table&#10;&#10;Description automatically generated with medium confidence">
+              <a:extLst>
+                <a:ext uri="{FF2B5EF4-FFF2-40B4-BE49-F238E27FC236}">
+                  <a16:creationId xmlns:a16="http://schemas.microsoft.com/office/drawing/2014/main" id="{8B1D1EE4-ADE8-C34F-AA22-DABD00E7B635}"/>
+                </a:ext>
+              </a:extLst>
+            </p:cNvPr>
+            <p:cNvPicPr>
+              <a:picLocks noChangeAspect="1"/>
+            </p:cNvPicPr>
+            <p:nvPr/>
+          </p:nvPicPr>
+          <p:blipFill rotWithShape="1">
+            <a:blip r:embed="rId4"/>
+            <a:srcRect l="40334" t="84074" r="35165" b="13935"/>
+            <a:stretch/>
+          </p:blipFill>
+          <p:spPr>
+            <a:xfrm>
+              <a:off x="8451850" y="5765801"/>
+              <a:ext cx="1136650" cy="136524"/>
+            </a:xfrm>
+            <a:prstGeom prst="rect">
+              <a:avLst/>
+            </a:prstGeom>
+          </p:spPr>
+        </p:pic>
+      </p:grpSp>
+    </p:spTree>
+    <p:extLst>
+      <p:ext uri="{BB962C8B-B14F-4D97-AF65-F5344CB8AC3E}">
+        <p14:creationId xmlns:p14="http://schemas.microsoft.com/office/powerpoint/2010/main" val="1783770030"/>
       </p:ext>
     </p:extLst>
   </p:cSld>
